--- a/doc/Презентация по боту.pptx
+++ b/doc/Презентация по боту.pptx
@@ -287,7 +287,7 @@
             <a:fld id="{87DE6118-2437-4B30-8E3C-4D2BE6020583}" type="datetimeFigureOut">
               <a:rPr lang="en-US" dirty="0"/>
               <a:pPr/>
-              <a:t>4/19/2022</a:t>
+              <a:t>4/20/22</a:t>
             </a:fld>
             <a:endParaRPr lang="en-US" dirty="0"/>
           </a:p>
@@ -613,7 +613,7 @@
           <a:p>
             <a:fld id="{87DE6118-2437-4B30-8E3C-4D2BE6020583}" type="datetimeFigureOut">
               <a:rPr lang="en-US" dirty="0"/>
-              <a:t>4/19/2022</a:t>
+              <a:t>4/20/22</a:t>
             </a:fld>
             <a:endParaRPr lang="en-US" dirty="0"/>
           </a:p>
@@ -788,7 +788,7 @@
           <a:p>
             <a:fld id="{87DE6118-2437-4B30-8E3C-4D2BE6020583}" type="datetimeFigureOut">
               <a:rPr lang="en-US" dirty="0"/>
-              <a:t>4/19/2022</a:t>
+              <a:t>4/20/22</a:t>
             </a:fld>
             <a:endParaRPr lang="en-US" dirty="0"/>
           </a:p>
@@ -953,7 +953,7 @@
           <a:p>
             <a:fld id="{87DE6118-2437-4B30-8E3C-4D2BE6020583}" type="datetimeFigureOut">
               <a:rPr lang="en-US" dirty="0"/>
-              <a:t>4/19/2022</a:t>
+              <a:t>4/20/22</a:t>
             </a:fld>
             <a:endParaRPr lang="en-US" dirty="0"/>
           </a:p>
@@ -1226,7 +1226,7 @@
             <a:fld id="{87DE6118-2437-4B30-8E3C-4D2BE6020583}" type="datetimeFigureOut">
               <a:rPr lang="en-US" dirty="0"/>
               <a:pPr/>
-              <a:t>4/19/2022</a:t>
+              <a:t>4/20/22</a:t>
             </a:fld>
             <a:endParaRPr lang="en-US" dirty="0"/>
           </a:p>
@@ -1616,7 +1616,7 @@
           <a:p>
             <a:fld id="{87DE6118-2437-4B30-8E3C-4D2BE6020583}" type="datetimeFigureOut">
               <a:rPr lang="en-US" dirty="0"/>
-              <a:t>4/19/2022</a:t>
+              <a:t>4/20/22</a:t>
             </a:fld>
             <a:endParaRPr lang="en-US" dirty="0"/>
           </a:p>
@@ -2088,7 +2088,7 @@
           <a:p>
             <a:fld id="{87DE6118-2437-4B30-8E3C-4D2BE6020583}" type="datetimeFigureOut">
               <a:rPr lang="en-US" dirty="0"/>
-              <a:t>4/19/2022</a:t>
+              <a:t>4/20/22</a:t>
             </a:fld>
             <a:endParaRPr lang="en-US" dirty="0"/>
           </a:p>
@@ -2201,7 +2201,7 @@
           <a:p>
             <a:fld id="{87DE6118-2437-4B30-8E3C-4D2BE6020583}" type="datetimeFigureOut">
               <a:rPr lang="en-US" dirty="0"/>
-              <a:t>4/19/2022</a:t>
+              <a:t>4/20/22</a:t>
             </a:fld>
             <a:endParaRPr lang="en-US" dirty="0"/>
           </a:p>
@@ -2291,7 +2291,7 @@
           <a:p>
             <a:fld id="{87DE6118-2437-4B30-8E3C-4D2BE6020583}" type="datetimeFigureOut">
               <a:rPr lang="en-US" dirty="0"/>
-              <a:t>4/19/2022</a:t>
+              <a:t>4/20/22</a:t>
             </a:fld>
             <a:endParaRPr lang="en-US" dirty="0"/>
           </a:p>
@@ -2633,7 +2633,7 @@
             <a:fld id="{87DE6118-2437-4B30-8E3C-4D2BE6020583}" type="datetimeFigureOut">
               <a:rPr lang="en-US" dirty="0"/>
               <a:pPr/>
-              <a:t>4/19/2022</a:t>
+              <a:t>4/20/22</a:t>
             </a:fld>
             <a:endParaRPr lang="en-US" dirty="0"/>
           </a:p>
@@ -3018,7 +3018,7 @@
             <a:fld id="{87DE6118-2437-4B30-8E3C-4D2BE6020583}" type="datetimeFigureOut">
               <a:rPr lang="en-US" dirty="0"/>
               <a:pPr/>
-              <a:t>4/19/2022</a:t>
+              <a:t>4/20/22</a:t>
             </a:fld>
             <a:endParaRPr lang="en-US" dirty="0"/>
           </a:p>
@@ -3293,7 +3293,7 @@
             <a:fld id="{87DE6118-2437-4B30-8E3C-4D2BE6020583}" type="datetimeFigureOut">
               <a:rPr lang="en-US" dirty="0"/>
               <a:pPr/>
-              <a:t>4/19/2022</a:t>
+              <a:t>4/20/22</a:t>
             </a:fld>
             <a:endParaRPr lang="en-US" dirty="0"/>
           </a:p>
@@ -3958,7 +3958,7 @@
         <p:spPr>
           <a:xfrm>
             <a:off x="1371600" y="1794889"/>
-            <a:ext cx="4274717" cy="3143938"/>
+            <a:ext cx="4274717" cy="3839256"/>
           </a:xfrm>
           <a:prstGeom prst="rect">
             <a:avLst/>
@@ -4022,7 +4022,40 @@
                 <a:ea typeface="Calibri" panose="020F0502020204030204" pitchFamily="34" charset="0"/>
                 <a:cs typeface="Times New Roman" panose="02020603050405020304" pitchFamily="18" charset="0"/>
               </a:rPr>
-              <a:t> может запустить бот и пользоваться им.</a:t>
+              <a:t> может найти </a:t>
+            </a:r>
+            <a:r>
+              <a:rPr lang="en-US" dirty="0">
+                <a:latin typeface="Times New Roman" panose="02020603050405020304" pitchFamily="18" charset="0"/>
+                <a:ea typeface="Calibri" panose="020F0502020204030204" pitchFamily="34" charset="0"/>
+                <a:cs typeface="Times New Roman" panose="02020603050405020304" pitchFamily="18" charset="0"/>
+              </a:rPr>
+              <a:t>@</a:t>
+            </a:r>
+            <a:r>
+              <a:rPr lang="en-US" dirty="0" err="1">
+                <a:latin typeface="Times New Roman" panose="02020603050405020304" pitchFamily="18" charset="0"/>
+                <a:ea typeface="Calibri" panose="020F0502020204030204" pitchFamily="34" charset="0"/>
+                <a:cs typeface="Times New Roman" panose="02020603050405020304" pitchFamily="18" charset="0"/>
+              </a:rPr>
+              <a:t>delyunchik_bot</a:t>
+            </a:r>
+            <a:r>
+              <a:rPr lang="en-US" dirty="0">
+                <a:latin typeface="Times New Roman" panose="02020603050405020304" pitchFamily="18" charset="0"/>
+                <a:ea typeface="Calibri" panose="020F0502020204030204" pitchFamily="34" charset="0"/>
+                <a:cs typeface="Times New Roman" panose="02020603050405020304" pitchFamily="18" charset="0"/>
+              </a:rPr>
+              <a:t>, </a:t>
+            </a:r>
+            <a:r>
+              <a:rPr lang="ru-RU" sz="1800" dirty="0">
+                <a:effectLst/>
+                <a:latin typeface="Times New Roman" panose="02020603050405020304" pitchFamily="18" charset="0"/>
+                <a:ea typeface="Calibri" panose="020F0502020204030204" pitchFamily="34" charset="0"/>
+                <a:cs typeface="Times New Roman" panose="02020603050405020304" pitchFamily="18" charset="0"/>
+              </a:rPr>
+              <a:t>запустить бота и пользоваться им.</a:t>
             </a:r>
             <a:endParaRPr lang="ru-RU" sz="1800" dirty="0">
               <a:effectLst/>
@@ -4047,7 +4080,43 @@
                 <a:ea typeface="Calibri" panose="020F0502020204030204" pitchFamily="34" charset="0"/>
                 <a:cs typeface="Times New Roman" panose="02020603050405020304" pitchFamily="18" charset="0"/>
               </a:rPr>
-              <a:t>Этот бот создан для быстрого поиска информации. Например, если человеку нужно найти биографию кого-либо или чего-либо, то бот поможет. Пришлет фотку по запросу, расскажет шуту дня или новости, скинет прогноз погоды.</a:t>
+              <a:t>Этот бот создан для быстрого поиска полезной информации и развлечения.</a:t>
+            </a:r>
+          </a:p>
+          <a:p>
+            <a:pPr>
+              <a:lnSpc>
+                <a:spcPct val="107000"/>
+              </a:lnSpc>
+              <a:spcAft>
+                <a:spcPts val="800"/>
+              </a:spcAft>
+            </a:pPr>
+            <a:r>
+              <a:rPr lang="ru-RU" sz="1800" dirty="0">
+                <a:effectLst/>
+                <a:latin typeface="Times New Roman" panose="02020603050405020304" pitchFamily="18" charset="0"/>
+                <a:ea typeface="Calibri" panose="020F0502020204030204" pitchFamily="34" charset="0"/>
+                <a:cs typeface="Times New Roman" panose="02020603050405020304" pitchFamily="18" charset="0"/>
+              </a:rPr>
+              <a:t>Например, если человеку нужно узнать описание кого-либо или чего-либо, то бот поможет. Также </a:t>
+            </a:r>
+            <a:r>
+              <a:rPr lang="ru-RU" dirty="0">
+                <a:latin typeface="Times New Roman" panose="02020603050405020304" pitchFamily="18" charset="0"/>
+                <a:ea typeface="Calibri" panose="020F0502020204030204" pitchFamily="34" charset="0"/>
+                <a:cs typeface="Times New Roman" panose="02020603050405020304" pitchFamily="18" charset="0"/>
+              </a:rPr>
+              <a:t>бот </a:t>
+            </a:r>
+            <a:r>
+              <a:rPr lang="ru-RU" sz="1800" dirty="0">
+                <a:effectLst/>
+                <a:latin typeface="Times New Roman" panose="02020603050405020304" pitchFamily="18" charset="0"/>
+                <a:ea typeface="Calibri" panose="020F0502020204030204" pitchFamily="34" charset="0"/>
+                <a:cs typeface="Times New Roman" panose="02020603050405020304" pitchFamily="18" charset="0"/>
+              </a:rPr>
+              <a:t>пришлет фотку по запросу, расскажет шутку дня или новости, скинет прогноз погоды.</a:t>
             </a:r>
             <a:endParaRPr lang="ru-RU" sz="1800" dirty="0">
               <a:effectLst/>
@@ -4120,34 +4189,897 @@
       </p:grpSpPr>
       <p:sp>
         <p:nvSpPr>
-          <p:cNvPr id="2" name="Заголовок 1">
+          <p:cNvPr id="3" name="Заголовок 1">
             <a:extLst>
               <a:ext uri="{FF2B5EF4-FFF2-40B4-BE49-F238E27FC236}">
-                <a16:creationId xmlns:a16="http://schemas.microsoft.com/office/drawing/2014/main" id="{BE38A420-961A-49B8-9F6F-7F3F39245067}"/>
+                <a16:creationId xmlns:a16="http://schemas.microsoft.com/office/drawing/2014/main" id="{7675AB43-3465-E371-F727-8890A2FA1BB2}"/>
               </a:ext>
             </a:extLst>
           </p:cNvPr>
-          <p:cNvSpPr>
-            <a:spLocks noGrp="1"/>
-          </p:cNvSpPr>
-          <p:nvPr>
-            <p:ph type="title"/>
-          </p:nvPr>
-        </p:nvSpPr>
-        <p:spPr/>
-        <p:txBody>
-          <a:bodyPr/>
+          <p:cNvSpPr txBox="1">
+            <a:spLocks/>
+          </p:cNvSpPr>
+          <p:nvPr/>
+        </p:nvSpPr>
+        <p:spPr>
+          <a:xfrm>
+            <a:off x="1067250" y="335296"/>
+            <a:ext cx="5753755" cy="821267"/>
+          </a:xfrm>
+          <a:prstGeom prst="rect">
+            <a:avLst/>
+          </a:prstGeom>
+        </p:spPr>
+        <p:txBody>
+          <a:bodyPr vert="horz" lIns="91440" tIns="45720" rIns="91440" bIns="45720" rtlCol="0" anchor="t">
+            <a:normAutofit/>
+          </a:bodyPr>
+          <a:lstStyle>
+            <a:lvl1pPr algn="l" defTabSz="914400" rtl="0" eaLnBrk="1" latinLnBrk="0" hangingPunct="1">
+              <a:lnSpc>
+                <a:spcPct val="89000"/>
+              </a:lnSpc>
+              <a:spcBef>
+                <a:spcPct val="0"/>
+              </a:spcBef>
+              <a:buNone/>
+              <a:defRPr sz="4400" kern="1200" baseline="0">
+                <a:solidFill>
+                  <a:schemeClr val="tx2"/>
+                </a:solidFill>
+                <a:latin typeface="+mj-lt"/>
+                <a:ea typeface="+mj-ea"/>
+                <a:cs typeface="+mj-cs"/>
+              </a:defRPr>
+            </a:lvl1pPr>
+          </a:lstStyle>
+          <a:p>
+            <a:r>
+              <a:rPr lang="ru-RU" sz="4000">
+                <a:latin typeface="Times New Roman" panose="02020603050405020304" pitchFamily="18" charset="0"/>
+                <a:cs typeface="Times New Roman" panose="02020603050405020304" pitchFamily="18" charset="0"/>
+              </a:rPr>
+              <a:t>Описание реализации</a:t>
+            </a:r>
+            <a:r>
+              <a:rPr lang="en-US" sz="4000">
+                <a:latin typeface="Times New Roman" panose="02020603050405020304" pitchFamily="18" charset="0"/>
+                <a:cs typeface="Times New Roman" panose="02020603050405020304" pitchFamily="18" charset="0"/>
+              </a:rPr>
+              <a:t>:</a:t>
+            </a:r>
+            <a:endParaRPr lang="ru-RU" sz="4000" dirty="0">
+              <a:latin typeface="Times New Roman" panose="02020603050405020304" pitchFamily="18" charset="0"/>
+              <a:cs typeface="Times New Roman" panose="02020603050405020304" pitchFamily="18" charset="0"/>
+            </a:endParaRPr>
+          </a:p>
+        </p:txBody>
+      </p:sp>
+      <p:sp>
+        <p:nvSpPr>
+          <p:cNvPr id="4" name="TextBox 3">
+            <a:extLst>
+              <a:ext uri="{FF2B5EF4-FFF2-40B4-BE49-F238E27FC236}">
+                <a16:creationId xmlns:a16="http://schemas.microsoft.com/office/drawing/2014/main" id="{83AEF6CE-E54A-0516-4A62-FE83F27DBE3D}"/>
+              </a:ext>
+            </a:extLst>
+          </p:cNvPr>
+          <p:cNvSpPr txBox="1"/>
+          <p:nvPr/>
+        </p:nvSpPr>
+        <p:spPr>
+          <a:xfrm>
+            <a:off x="1067250" y="1065008"/>
+            <a:ext cx="5626385" cy="5632311"/>
+          </a:xfrm>
+          <a:prstGeom prst="rect">
+            <a:avLst/>
+          </a:prstGeom>
+          <a:noFill/>
+        </p:spPr>
+        <p:txBody>
+          <a:bodyPr wrap="square" rtlCol="0">
+            <a:spAutoFit/>
+          </a:bodyPr>
           <a:lstStyle/>
           <a:p>
             <a:r>
+              <a:rPr lang="ru-RU" sz="2400" dirty="0"/>
+              <a:t>Программа разработана на языке программирования </a:t>
+            </a:r>
+            <a:r>
+              <a:rPr lang="en-US" sz="2400" dirty="0"/>
+              <a:t>Python </a:t>
+            </a:r>
+            <a:r>
+              <a:rPr lang="ru-RU" sz="2400" dirty="0"/>
+              <a:t>версии </a:t>
+            </a:r>
+            <a:r>
+              <a:rPr lang="en-US" sz="2400" dirty="0"/>
+              <a:t>3</a:t>
+            </a:r>
+            <a:r>
+              <a:rPr lang="ru-RU" sz="2400" dirty="0"/>
+              <a:t>, </a:t>
+            </a:r>
+            <a:r>
+              <a:rPr lang="en-US" sz="2400" dirty="0"/>
+              <a:t>c </a:t>
+            </a:r>
+            <a:r>
+              <a:rPr lang="ru-RU" sz="2400" dirty="0"/>
+              <a:t>использованием </a:t>
+            </a:r>
+            <a:r>
+              <a:rPr lang="en" sz="2400" dirty="0" err="1"/>
+              <a:t>aiogram</a:t>
+            </a:r>
+            <a:r>
+              <a:rPr lang="ru-RU" sz="2400" dirty="0"/>
+              <a:t>, который является достаточно простым асинхронным фреймворком для </a:t>
+            </a:r>
+            <a:r>
+              <a:rPr lang="en" sz="2400" dirty="0">
+                <a:hlinkClick r:id="rId2">
+                  <a:extLst>
+                    <a:ext uri="{A12FA001-AC4F-418D-AE19-62706E023703}">
+                      <ahyp:hlinkClr xmlns:ahyp="http://schemas.microsoft.com/office/drawing/2018/hyperlinkcolor" val="tx"/>
+                    </a:ext>
+                  </a:extLst>
+                </a:hlinkClick>
+              </a:rPr>
+              <a:t>Telegram Bot API</a:t>
+            </a:r>
+            <a:r>
+              <a:rPr lang="en" sz="2400" dirty="0"/>
+              <a:t>. </a:t>
+            </a:r>
+            <a:r>
+              <a:rPr lang="ru-RU" sz="2400" dirty="0"/>
+              <a:t>Это помогает сделать ботов быстрыми и достаточно просто.</a:t>
+            </a:r>
+            <a:endParaRPr lang="en-US" sz="2400" dirty="0"/>
+          </a:p>
+          <a:p>
+            <a:endParaRPr lang="en-US" sz="2400" dirty="0"/>
+          </a:p>
+          <a:p>
+            <a:r>
+              <a:rPr lang="ru-RU" sz="2400" dirty="0"/>
+              <a:t>Диаграмма взаимодействий приложения изображена на схеме. В реализации используются модули </a:t>
+            </a:r>
+            <a:r>
+              <a:rPr lang="en-US" sz="2400" dirty="0"/>
+              <a:t>requests, </a:t>
+            </a:r>
+            <a:r>
+              <a:rPr lang="en-US" sz="2400" dirty="0" err="1"/>
+              <a:t>json</a:t>
+            </a:r>
+            <a:r>
+              <a:rPr lang="en-US" sz="2400" dirty="0"/>
+              <a:t> </a:t>
+            </a:r>
+            <a:r>
+              <a:rPr lang="ru-RU" sz="2400" dirty="0"/>
+              <a:t>для взаимодействия с </a:t>
+            </a:r>
+            <a:r>
+              <a:rPr lang="en-US" sz="2400" dirty="0"/>
+              <a:t>Yandex Weather API, </a:t>
+            </a:r>
+            <a:r>
+              <a:rPr lang="ru-RU" sz="2400" dirty="0"/>
+              <a:t>для </a:t>
+            </a:r>
+            <a:r>
+              <a:rPr lang="ru-RU" sz="2400" dirty="0" err="1"/>
+              <a:t>парсинга</a:t>
+            </a:r>
+            <a:r>
+              <a:rPr lang="ru-RU" sz="2400" dirty="0"/>
+              <a:t> ответов остальных взаимодействий используется библиотека </a:t>
+            </a:r>
+            <a:r>
+              <a:rPr lang="en" sz="2400" dirty="0" err="1"/>
+              <a:t>BeautifulSoup</a:t>
+            </a:r>
+            <a:r>
+              <a:rPr lang="ru-RU" sz="2400" dirty="0"/>
+              <a:t>4</a:t>
+            </a:r>
+            <a:endParaRPr lang="en-US" sz="2400" dirty="0"/>
+          </a:p>
+        </p:txBody>
+      </p:sp>
+      <p:sp>
+        <p:nvSpPr>
+          <p:cNvPr id="5" name="Скругленный прямоугольник 4">
+            <a:extLst>
+              <a:ext uri="{FF2B5EF4-FFF2-40B4-BE49-F238E27FC236}">
+                <a16:creationId xmlns:a16="http://schemas.microsoft.com/office/drawing/2014/main" id="{DF6EA130-7B1A-A458-7A86-13A6039DCBF9}"/>
+              </a:ext>
+            </a:extLst>
+          </p:cNvPr>
+          <p:cNvSpPr/>
+          <p:nvPr/>
+        </p:nvSpPr>
+        <p:spPr>
+          <a:xfrm>
+            <a:off x="8480120" y="3569460"/>
+            <a:ext cx="1517011" cy="671119"/>
+          </a:xfrm>
+          <a:prstGeom prst="roundRect">
+            <a:avLst/>
+          </a:prstGeom>
+        </p:spPr>
+        <p:style>
+          <a:lnRef idx="2">
+            <a:schemeClr val="accent1">
+              <a:shade val="50000"/>
+            </a:schemeClr>
+          </a:lnRef>
+          <a:fillRef idx="1">
+            <a:schemeClr val="accent1"/>
+          </a:fillRef>
+          <a:effectRef idx="0">
+            <a:schemeClr val="accent1"/>
+          </a:effectRef>
+          <a:fontRef idx="minor">
+            <a:schemeClr val="lt1"/>
+          </a:fontRef>
+        </p:style>
+        <p:txBody>
+          <a:bodyPr rtlCol="0" anchor="ctr"/>
+          <a:lstStyle/>
+          <a:p>
+            <a:pPr algn="ctr"/>
+            <a:r>
+              <a:rPr lang="en-US" dirty="0" err="1"/>
+              <a:t>Delyunchik</a:t>
+            </a:r>
+            <a:endParaRPr lang="ru-RU" dirty="0"/>
+          </a:p>
+        </p:txBody>
+      </p:sp>
+      <p:sp>
+        <p:nvSpPr>
+          <p:cNvPr id="6" name="Скругленный прямоугольник 5">
+            <a:extLst>
+              <a:ext uri="{FF2B5EF4-FFF2-40B4-BE49-F238E27FC236}">
+                <a16:creationId xmlns:a16="http://schemas.microsoft.com/office/drawing/2014/main" id="{8CFF9EFA-E7D9-6C0F-43A2-40C4508070E6}"/>
+              </a:ext>
+            </a:extLst>
+          </p:cNvPr>
+          <p:cNvSpPr/>
+          <p:nvPr/>
+        </p:nvSpPr>
+        <p:spPr>
+          <a:xfrm>
+            <a:off x="6362964" y="3569461"/>
+            <a:ext cx="1517011" cy="671119"/>
+          </a:xfrm>
+          <a:prstGeom prst="roundRect">
+            <a:avLst/>
+          </a:prstGeom>
+        </p:spPr>
+        <p:style>
+          <a:lnRef idx="2">
+            <a:schemeClr val="accent1">
+              <a:shade val="50000"/>
+            </a:schemeClr>
+          </a:lnRef>
+          <a:fillRef idx="1">
+            <a:schemeClr val="accent1"/>
+          </a:fillRef>
+          <a:effectRef idx="0">
+            <a:schemeClr val="accent1"/>
+          </a:effectRef>
+          <a:fontRef idx="minor">
+            <a:schemeClr val="lt1"/>
+          </a:fontRef>
+        </p:style>
+        <p:txBody>
+          <a:bodyPr rtlCol="0" anchor="ctr"/>
+          <a:lstStyle/>
+          <a:p>
+            <a:pPr algn="ctr"/>
+            <a:r>
+              <a:rPr lang="en-US"/>
+              <a:t>Wikipedia</a:t>
+            </a:r>
+            <a:endParaRPr lang="ru-RU" dirty="0"/>
+          </a:p>
+        </p:txBody>
+      </p:sp>
+      <p:sp>
+        <p:nvSpPr>
+          <p:cNvPr id="14" name="Заголовок 1">
+            <a:extLst>
+              <a:ext uri="{FF2B5EF4-FFF2-40B4-BE49-F238E27FC236}">
+                <a16:creationId xmlns:a16="http://schemas.microsoft.com/office/drawing/2014/main" id="{C6CF13E2-127F-CC32-308C-BF4F2694FA77}"/>
+              </a:ext>
+            </a:extLst>
+          </p:cNvPr>
+          <p:cNvSpPr txBox="1">
+            <a:spLocks/>
+          </p:cNvSpPr>
+          <p:nvPr/>
+        </p:nvSpPr>
+        <p:spPr>
+          <a:xfrm>
+            <a:off x="7240600" y="913321"/>
+            <a:ext cx="4206240" cy="962332"/>
+          </a:xfrm>
+          <a:prstGeom prst="rect">
+            <a:avLst/>
+          </a:prstGeom>
+        </p:spPr>
+        <p:txBody>
+          <a:bodyPr vert="horz" lIns="91440" tIns="45720" rIns="91440" bIns="45720" rtlCol="0" anchor="t">
+            <a:normAutofit lnSpcReduction="10000"/>
+          </a:bodyPr>
+          <a:lstStyle>
+            <a:lvl1pPr algn="l" defTabSz="914400" rtl="0" eaLnBrk="1" latinLnBrk="0" hangingPunct="1">
+              <a:lnSpc>
+                <a:spcPct val="89000"/>
+              </a:lnSpc>
+              <a:spcBef>
+                <a:spcPct val="0"/>
+              </a:spcBef>
+              <a:buNone/>
+              <a:defRPr sz="4400" kern="1200" baseline="0">
+                <a:solidFill>
+                  <a:schemeClr val="tx2"/>
+                </a:solidFill>
+                <a:latin typeface="+mj-lt"/>
+                <a:ea typeface="+mj-ea"/>
+                <a:cs typeface="+mj-cs"/>
+              </a:defRPr>
+            </a:lvl1pPr>
+          </a:lstStyle>
+          <a:p>
+            <a:pPr algn="ctr"/>
+            <a:r>
+              <a:rPr lang="ru-RU" sz="3600" dirty="0">
+                <a:latin typeface="Times New Roman" panose="02020603050405020304" pitchFamily="18" charset="0"/>
+                <a:cs typeface="Times New Roman" panose="02020603050405020304" pitchFamily="18" charset="0"/>
+              </a:rPr>
+              <a:t>Диаграмма взаимодействий</a:t>
+            </a:r>
+          </a:p>
+        </p:txBody>
+      </p:sp>
+      <p:sp>
+        <p:nvSpPr>
+          <p:cNvPr id="17" name="Скругленный прямоугольник 16">
+            <a:extLst>
+              <a:ext uri="{FF2B5EF4-FFF2-40B4-BE49-F238E27FC236}">
+                <a16:creationId xmlns:a16="http://schemas.microsoft.com/office/drawing/2014/main" id="{63DBFE16-D342-9344-554A-01A106B579AC}"/>
+              </a:ext>
+            </a:extLst>
+          </p:cNvPr>
+          <p:cNvSpPr/>
+          <p:nvPr/>
+        </p:nvSpPr>
+        <p:spPr>
+          <a:xfrm>
+            <a:off x="7498777" y="4954821"/>
+            <a:ext cx="1517011" cy="671119"/>
+          </a:xfrm>
+          <a:prstGeom prst="roundRect">
+            <a:avLst/>
+          </a:prstGeom>
+        </p:spPr>
+        <p:style>
+          <a:lnRef idx="2">
+            <a:schemeClr val="accent1">
+              <a:shade val="50000"/>
+            </a:schemeClr>
+          </a:lnRef>
+          <a:fillRef idx="1">
+            <a:schemeClr val="accent1"/>
+          </a:fillRef>
+          <a:effectRef idx="0">
+            <a:schemeClr val="accent1"/>
+          </a:effectRef>
+          <a:fontRef idx="minor">
+            <a:schemeClr val="lt1"/>
+          </a:fontRef>
+        </p:style>
+        <p:txBody>
+          <a:bodyPr rtlCol="0" anchor="ctr"/>
+          <a:lstStyle/>
+          <a:p>
+            <a:pPr algn="ctr"/>
+            <a:r>
+              <a:rPr lang="en-US" dirty="0" err="1"/>
+              <a:t>Bashorg</a:t>
+            </a:r>
+            <a:endParaRPr lang="ru-RU" dirty="0"/>
+          </a:p>
+        </p:txBody>
+      </p:sp>
+      <p:sp>
+        <p:nvSpPr>
+          <p:cNvPr id="18" name="Скругленный прямоугольник 17">
+            <a:extLst>
+              <a:ext uri="{FF2B5EF4-FFF2-40B4-BE49-F238E27FC236}">
+                <a16:creationId xmlns:a16="http://schemas.microsoft.com/office/drawing/2014/main" id="{8CCACB36-367E-A401-019B-4413C9A03849}"/>
+              </a:ext>
+            </a:extLst>
+          </p:cNvPr>
+          <p:cNvSpPr/>
+          <p:nvPr/>
+        </p:nvSpPr>
+        <p:spPr>
+          <a:xfrm>
+            <a:off x="7488617" y="2205248"/>
+            <a:ext cx="1517011" cy="671119"/>
+          </a:xfrm>
+          <a:prstGeom prst="roundRect">
+            <a:avLst/>
+          </a:prstGeom>
+        </p:spPr>
+        <p:style>
+          <a:lnRef idx="2">
+            <a:schemeClr val="accent1">
+              <a:shade val="50000"/>
+            </a:schemeClr>
+          </a:lnRef>
+          <a:fillRef idx="1">
+            <a:schemeClr val="accent1"/>
+          </a:fillRef>
+          <a:effectRef idx="0">
+            <a:schemeClr val="accent1"/>
+          </a:effectRef>
+          <a:fontRef idx="minor">
+            <a:schemeClr val="lt1"/>
+          </a:fontRef>
+        </p:style>
+        <p:txBody>
+          <a:bodyPr rtlCol="0" anchor="ctr"/>
+          <a:lstStyle/>
+          <a:p>
+            <a:pPr algn="ctr"/>
+            <a:r>
+              <a:rPr lang="en-US" dirty="0"/>
+              <a:t>Yandex Weather API</a:t>
+            </a:r>
+            <a:endParaRPr lang="ru-RU" dirty="0"/>
+          </a:p>
+        </p:txBody>
+      </p:sp>
+      <p:sp>
+        <p:nvSpPr>
+          <p:cNvPr id="19" name="Скругленный прямоугольник 18">
+            <a:extLst>
+              <a:ext uri="{FF2B5EF4-FFF2-40B4-BE49-F238E27FC236}">
+                <a16:creationId xmlns:a16="http://schemas.microsoft.com/office/drawing/2014/main" id="{D975AF5F-5648-54E7-65CA-CC52FEA195C1}"/>
+              </a:ext>
+            </a:extLst>
+          </p:cNvPr>
+          <p:cNvSpPr/>
+          <p:nvPr/>
+        </p:nvSpPr>
+        <p:spPr>
+          <a:xfrm>
+            <a:off x="9533647" y="2208251"/>
+            <a:ext cx="1713473" cy="671119"/>
+          </a:xfrm>
+          <a:prstGeom prst="roundRect">
+            <a:avLst/>
+          </a:prstGeom>
+        </p:spPr>
+        <p:style>
+          <a:lnRef idx="2">
+            <a:schemeClr val="accent1">
+              <a:shade val="50000"/>
+            </a:schemeClr>
+          </a:lnRef>
+          <a:fillRef idx="1">
+            <a:schemeClr val="accent1"/>
+          </a:fillRef>
+          <a:effectRef idx="0">
+            <a:schemeClr val="accent1"/>
+          </a:effectRef>
+          <a:fontRef idx="minor">
+            <a:schemeClr val="lt1"/>
+          </a:fontRef>
+        </p:style>
+        <p:txBody>
+          <a:bodyPr rtlCol="0" anchor="ctr"/>
+          <a:lstStyle/>
+          <a:p>
+            <a:pPr algn="ctr"/>
+            <a:r>
+              <a:rPr lang="en-US" dirty="0"/>
+              <a:t>Yandex </a:t>
+            </a:r>
+            <a:r>
               <a:rPr lang="ru-RU" dirty="0"/>
-              <a:t>Описание реализации</a:t>
-            </a:r>
+              <a:t>поиск картинок</a:t>
+            </a:r>
+          </a:p>
+        </p:txBody>
+      </p:sp>
+      <p:sp>
+        <p:nvSpPr>
+          <p:cNvPr id="20" name="Скругленный прямоугольник 19">
+            <a:extLst>
+              <a:ext uri="{FF2B5EF4-FFF2-40B4-BE49-F238E27FC236}">
+                <a16:creationId xmlns:a16="http://schemas.microsoft.com/office/drawing/2014/main" id="{63EE2DFE-AB2E-2150-ABBE-A33CAAD9C603}"/>
+              </a:ext>
+            </a:extLst>
+          </p:cNvPr>
+          <p:cNvSpPr/>
+          <p:nvPr/>
+        </p:nvSpPr>
+        <p:spPr>
+          <a:xfrm>
+            <a:off x="9631877" y="4954821"/>
+            <a:ext cx="1517011" cy="671119"/>
+          </a:xfrm>
+          <a:prstGeom prst="roundRect">
+            <a:avLst/>
+          </a:prstGeom>
+        </p:spPr>
+        <p:style>
+          <a:lnRef idx="2">
+            <a:schemeClr val="accent1">
+              <a:shade val="50000"/>
+            </a:schemeClr>
+          </a:lnRef>
+          <a:fillRef idx="1">
+            <a:schemeClr val="accent1"/>
+          </a:fillRef>
+          <a:effectRef idx="0">
+            <a:schemeClr val="accent1"/>
+          </a:effectRef>
+          <a:fontRef idx="minor">
+            <a:schemeClr val="lt1"/>
+          </a:fontRef>
+        </p:style>
+        <p:txBody>
+          <a:bodyPr rtlCol="0" anchor="ctr"/>
+          <a:lstStyle/>
+          <a:p>
+            <a:pPr algn="ctr"/>
             <a:r>
               <a:rPr lang="en-US" dirty="0"/>
-              <a:t>:</a:t>
+              <a:t>Yandex</a:t>
+            </a:r>
+            <a:r>
+              <a:rPr lang="ru-RU" dirty="0"/>
+              <a:t> Новости</a:t>
+            </a:r>
+          </a:p>
+        </p:txBody>
+      </p:sp>
+      <p:sp>
+        <p:nvSpPr>
+          <p:cNvPr id="21" name="Скругленный прямоугольник 20">
+            <a:extLst>
+              <a:ext uri="{FF2B5EF4-FFF2-40B4-BE49-F238E27FC236}">
+                <a16:creationId xmlns:a16="http://schemas.microsoft.com/office/drawing/2014/main" id="{42A53444-03F9-1FA5-6B9F-7239943A0E4F}"/>
+              </a:ext>
+            </a:extLst>
+          </p:cNvPr>
+          <p:cNvSpPr/>
+          <p:nvPr/>
+        </p:nvSpPr>
+        <p:spPr>
+          <a:xfrm>
+            <a:off x="10597276" y="3545603"/>
+            <a:ext cx="1517011" cy="671119"/>
+          </a:xfrm>
+          <a:prstGeom prst="roundRect">
+            <a:avLst/>
+          </a:prstGeom>
+        </p:spPr>
+        <p:style>
+          <a:lnRef idx="2">
+            <a:schemeClr val="accent1">
+              <a:shade val="50000"/>
+            </a:schemeClr>
+          </a:lnRef>
+          <a:fillRef idx="1">
+            <a:schemeClr val="accent1"/>
+          </a:fillRef>
+          <a:effectRef idx="0">
+            <a:schemeClr val="accent1"/>
+          </a:effectRef>
+          <a:fontRef idx="minor">
+            <a:schemeClr val="lt1"/>
+          </a:fontRef>
+        </p:style>
+        <p:txBody>
+          <a:bodyPr rtlCol="0" anchor="ctr"/>
+          <a:lstStyle/>
+          <a:p>
+            <a:pPr algn="ctr"/>
+            <a:r>
+              <a:rPr lang="en-US" dirty="0"/>
+              <a:t>Telegram API</a:t>
             </a:r>
             <a:endParaRPr lang="ru-RU" dirty="0"/>
+          </a:p>
+        </p:txBody>
+      </p:sp>
+      <p:sp>
+        <p:nvSpPr>
+          <p:cNvPr id="24" name="Стрелка вниз 23">
+            <a:extLst>
+              <a:ext uri="{FF2B5EF4-FFF2-40B4-BE49-F238E27FC236}">
+                <a16:creationId xmlns:a16="http://schemas.microsoft.com/office/drawing/2014/main" id="{DF5DDE38-DC0E-16BB-832D-DCEC5341CA31}"/>
+              </a:ext>
+            </a:extLst>
+          </p:cNvPr>
+          <p:cNvSpPr/>
+          <p:nvPr/>
+        </p:nvSpPr>
+        <p:spPr>
+          <a:xfrm>
+            <a:off x="8628131" y="2897515"/>
+            <a:ext cx="281132" cy="693093"/>
+          </a:xfrm>
+          <a:prstGeom prst="downArrow">
+            <a:avLst/>
+          </a:prstGeom>
+        </p:spPr>
+        <p:style>
+          <a:lnRef idx="2">
+            <a:schemeClr val="accent1">
+              <a:shade val="50000"/>
+            </a:schemeClr>
+          </a:lnRef>
+          <a:fillRef idx="1">
+            <a:schemeClr val="accent1"/>
+          </a:fillRef>
+          <a:effectRef idx="0">
+            <a:schemeClr val="accent1"/>
+          </a:effectRef>
+          <a:fontRef idx="minor">
+            <a:schemeClr val="lt1"/>
+          </a:fontRef>
+        </p:style>
+        <p:txBody>
+          <a:bodyPr rtlCol="0" anchor="ctr"/>
+          <a:lstStyle/>
+          <a:p>
+            <a:pPr algn="ctr"/>
+            <a:endParaRPr lang="ru-RU"/>
+          </a:p>
+        </p:txBody>
+      </p:sp>
+      <p:sp>
+        <p:nvSpPr>
+          <p:cNvPr id="25" name="Стрелка вниз 24">
+            <a:extLst>
+              <a:ext uri="{FF2B5EF4-FFF2-40B4-BE49-F238E27FC236}">
+                <a16:creationId xmlns:a16="http://schemas.microsoft.com/office/drawing/2014/main" id="{C760EA07-2382-92E6-1DB2-7B047CDAF37E}"/>
+              </a:ext>
+            </a:extLst>
+          </p:cNvPr>
+          <p:cNvSpPr/>
+          <p:nvPr/>
+        </p:nvSpPr>
+        <p:spPr>
+          <a:xfrm>
+            <a:off x="9657419" y="2876367"/>
+            <a:ext cx="281132" cy="693093"/>
+          </a:xfrm>
+          <a:prstGeom prst="downArrow">
+            <a:avLst/>
+          </a:prstGeom>
+        </p:spPr>
+        <p:style>
+          <a:lnRef idx="2">
+            <a:schemeClr val="accent1">
+              <a:shade val="50000"/>
+            </a:schemeClr>
+          </a:lnRef>
+          <a:fillRef idx="1">
+            <a:schemeClr val="accent1"/>
+          </a:fillRef>
+          <a:effectRef idx="0">
+            <a:schemeClr val="accent1"/>
+          </a:effectRef>
+          <a:fontRef idx="minor">
+            <a:schemeClr val="lt1"/>
+          </a:fontRef>
+        </p:style>
+        <p:txBody>
+          <a:bodyPr rtlCol="0" anchor="ctr"/>
+          <a:lstStyle/>
+          <a:p>
+            <a:pPr algn="ctr"/>
+            <a:endParaRPr lang="ru-RU"/>
+          </a:p>
+        </p:txBody>
+      </p:sp>
+      <p:sp>
+        <p:nvSpPr>
+          <p:cNvPr id="26" name="Стрелка вправо 25">
+            <a:extLst>
+              <a:ext uri="{FF2B5EF4-FFF2-40B4-BE49-F238E27FC236}">
+                <a16:creationId xmlns:a16="http://schemas.microsoft.com/office/drawing/2014/main" id="{EE89A0A5-7C61-5D94-B010-1974854DF164}"/>
+              </a:ext>
+            </a:extLst>
+          </p:cNvPr>
+          <p:cNvSpPr/>
+          <p:nvPr/>
+        </p:nvSpPr>
+        <p:spPr>
+          <a:xfrm>
+            <a:off x="7879975" y="3785105"/>
+            <a:ext cx="600145" cy="260978"/>
+          </a:xfrm>
+          <a:prstGeom prst="rightArrow">
+            <a:avLst/>
+          </a:prstGeom>
+        </p:spPr>
+        <p:style>
+          <a:lnRef idx="2">
+            <a:schemeClr val="accent1">
+              <a:shade val="50000"/>
+            </a:schemeClr>
+          </a:lnRef>
+          <a:fillRef idx="1">
+            <a:schemeClr val="accent1"/>
+          </a:fillRef>
+          <a:effectRef idx="0">
+            <a:schemeClr val="accent1"/>
+          </a:effectRef>
+          <a:fontRef idx="minor">
+            <a:schemeClr val="lt1"/>
+          </a:fontRef>
+        </p:style>
+        <p:txBody>
+          <a:bodyPr rtlCol="0" anchor="ctr"/>
+          <a:lstStyle/>
+          <a:p>
+            <a:pPr algn="ctr"/>
+            <a:endParaRPr lang="ru-RU"/>
+          </a:p>
+        </p:txBody>
+      </p:sp>
+      <p:sp>
+        <p:nvSpPr>
+          <p:cNvPr id="27" name="Стрелка вверх 26">
+            <a:extLst>
+              <a:ext uri="{FF2B5EF4-FFF2-40B4-BE49-F238E27FC236}">
+                <a16:creationId xmlns:a16="http://schemas.microsoft.com/office/drawing/2014/main" id="{043B7C2C-9190-FFD1-473D-1CE9D52C3D6E}"/>
+              </a:ext>
+            </a:extLst>
+          </p:cNvPr>
+          <p:cNvSpPr/>
+          <p:nvPr/>
+        </p:nvSpPr>
+        <p:spPr>
+          <a:xfrm>
+            <a:off x="8628132" y="4240579"/>
+            <a:ext cx="281132" cy="714242"/>
+          </a:xfrm>
+          <a:prstGeom prst="upArrow">
+            <a:avLst/>
+          </a:prstGeom>
+        </p:spPr>
+        <p:style>
+          <a:lnRef idx="2">
+            <a:schemeClr val="accent1">
+              <a:shade val="50000"/>
+            </a:schemeClr>
+          </a:lnRef>
+          <a:fillRef idx="1">
+            <a:schemeClr val="accent1"/>
+          </a:fillRef>
+          <a:effectRef idx="0">
+            <a:schemeClr val="accent1"/>
+          </a:effectRef>
+          <a:fontRef idx="minor">
+            <a:schemeClr val="lt1"/>
+          </a:fontRef>
+        </p:style>
+        <p:txBody>
+          <a:bodyPr rtlCol="0" anchor="ctr"/>
+          <a:lstStyle/>
+          <a:p>
+            <a:pPr algn="ctr"/>
+            <a:endParaRPr lang="ru-RU"/>
+          </a:p>
+        </p:txBody>
+      </p:sp>
+      <p:sp>
+        <p:nvSpPr>
+          <p:cNvPr id="28" name="Стрелка вверх 27">
+            <a:extLst>
+              <a:ext uri="{FF2B5EF4-FFF2-40B4-BE49-F238E27FC236}">
+                <a16:creationId xmlns:a16="http://schemas.microsoft.com/office/drawing/2014/main" id="{3509BFCF-44B4-FAB2-4EAF-6E812D74DA7F}"/>
+              </a:ext>
+            </a:extLst>
+          </p:cNvPr>
+          <p:cNvSpPr/>
+          <p:nvPr/>
+        </p:nvSpPr>
+        <p:spPr>
+          <a:xfrm>
+            <a:off x="9667536" y="4228651"/>
+            <a:ext cx="281132" cy="714242"/>
+          </a:xfrm>
+          <a:prstGeom prst="upArrow">
+            <a:avLst/>
+          </a:prstGeom>
+        </p:spPr>
+        <p:style>
+          <a:lnRef idx="2">
+            <a:schemeClr val="accent1">
+              <a:shade val="50000"/>
+            </a:schemeClr>
+          </a:lnRef>
+          <a:fillRef idx="1">
+            <a:schemeClr val="accent1"/>
+          </a:fillRef>
+          <a:effectRef idx="0">
+            <a:schemeClr val="accent1"/>
+          </a:effectRef>
+          <a:fontRef idx="minor">
+            <a:schemeClr val="lt1"/>
+          </a:fontRef>
+        </p:style>
+        <p:txBody>
+          <a:bodyPr rtlCol="0" anchor="ctr"/>
+          <a:lstStyle/>
+          <a:p>
+            <a:pPr algn="ctr"/>
+            <a:endParaRPr lang="ru-RU"/>
+          </a:p>
+        </p:txBody>
+      </p:sp>
+      <p:sp>
+        <p:nvSpPr>
+          <p:cNvPr id="30" name="Двойная стрелка влево/вправо 29">
+            <a:extLst>
+              <a:ext uri="{FF2B5EF4-FFF2-40B4-BE49-F238E27FC236}">
+                <a16:creationId xmlns:a16="http://schemas.microsoft.com/office/drawing/2014/main" id="{75C5C4B0-A819-EB02-6ADA-01B1EBD9E36C}"/>
+              </a:ext>
+            </a:extLst>
+          </p:cNvPr>
+          <p:cNvSpPr/>
+          <p:nvPr/>
+        </p:nvSpPr>
+        <p:spPr>
+          <a:xfrm>
+            <a:off x="9997131" y="3785106"/>
+            <a:ext cx="600145" cy="260978"/>
+          </a:xfrm>
+          <a:prstGeom prst="leftRightArrow">
+            <a:avLst/>
+          </a:prstGeom>
+        </p:spPr>
+        <p:style>
+          <a:lnRef idx="2">
+            <a:schemeClr val="accent1">
+              <a:shade val="50000"/>
+            </a:schemeClr>
+          </a:lnRef>
+          <a:fillRef idx="1">
+            <a:schemeClr val="accent1"/>
+          </a:fillRef>
+          <a:effectRef idx="0">
+            <a:schemeClr val="accent1"/>
+          </a:effectRef>
+          <a:fontRef idx="minor">
+            <a:schemeClr val="lt1"/>
+          </a:fontRef>
+        </p:style>
+        <p:txBody>
+          <a:bodyPr rtlCol="0" anchor="ctr"/>
+          <a:lstStyle/>
+          <a:p>
+            <a:pPr algn="ctr"/>
+            <a:endParaRPr lang="ru-RU"/>
           </a:p>
         </p:txBody>
       </p:sp>
@@ -4244,7 +5176,7 @@
                 <a:ea typeface="Calibri" panose="020F0502020204030204" pitchFamily="34" charset="0"/>
                 <a:cs typeface="Times New Roman" panose="02020603050405020304" pitchFamily="18" charset="0"/>
               </a:rPr>
-              <a:t>Запустить  приложение можно, написав /</a:t>
+              <a:t>Запустить приложение можно, написав /</a:t>
             </a:r>
             <a:r>
               <a:rPr lang="en-US" sz="1800" dirty="0">
@@ -4384,7 +5316,7 @@
           <a:p>
             <a:r>
               <a:rPr lang="ru-RU" dirty="0"/>
-              <a:t>Бот может прислать фото чего угодно или кого угодно, может ответить на любой вопрос о каком-либо человеке или о чем- то другом. </a:t>
+              <a:t>Бот может прислать фото чего угодно или кого угодно, может ответить на любой вопрос о каком-либо человеке или о чем-то другом. </a:t>
             </a:r>
           </a:p>
         </p:txBody>

--- a/doc/Презентация по боту.pptx
+++ b/doc/Презентация по боту.pptx
@@ -4203,7 +4203,7 @@
         </p:nvSpPr>
         <p:spPr>
           <a:xfrm>
-            <a:off x="1067250" y="335296"/>
+            <a:off x="1003564" y="92054"/>
             <a:ext cx="5753755" cy="821267"/>
           </a:xfrm>
           <a:prstGeom prst="rect">
@@ -4235,14 +4235,14 @@
           </a:lstStyle>
           <a:p>
             <a:r>
-              <a:rPr lang="ru-RU" sz="4000">
+              <a:rPr lang="ru-RU" sz="4000" dirty="0">
                 <a:latin typeface="Times New Roman" panose="02020603050405020304" pitchFamily="18" charset="0"/>
                 <a:cs typeface="Times New Roman" panose="02020603050405020304" pitchFamily="18" charset="0"/>
               </a:rPr>
               <a:t>Описание реализации</a:t>
             </a:r>
             <a:r>
-              <a:rPr lang="en-US" sz="4000">
+              <a:rPr lang="en-US" sz="4000" dirty="0">
                 <a:latin typeface="Times New Roman" panose="02020603050405020304" pitchFamily="18" charset="0"/>
                 <a:cs typeface="Times New Roman" panose="02020603050405020304" pitchFamily="18" charset="0"/>
               </a:rPr>
@@ -4269,8 +4269,8 @@
         </p:nvSpPr>
         <p:spPr>
           <a:xfrm>
-            <a:off x="1067250" y="1065008"/>
-            <a:ext cx="5626385" cy="5632311"/>
+            <a:off x="1049537" y="614374"/>
+            <a:ext cx="5626385" cy="6863417"/>
           </a:xfrm>
           <a:prstGeom prst="rect">
             <a:avLst/>
@@ -4284,43 +4284,43 @@
           <a:lstStyle/>
           <a:p>
             <a:r>
-              <a:rPr lang="ru-RU" sz="2400" dirty="0"/>
+              <a:rPr lang="ru-RU" sz="2000" dirty="0"/>
               <a:t>Программа разработана на языке программирования </a:t>
             </a:r>
             <a:r>
-              <a:rPr lang="en-US" sz="2400" dirty="0"/>
+              <a:rPr lang="en-US" sz="2000" dirty="0"/>
               <a:t>Python </a:t>
             </a:r>
             <a:r>
-              <a:rPr lang="ru-RU" sz="2400" dirty="0"/>
+              <a:rPr lang="ru-RU" sz="2000" dirty="0"/>
               <a:t>версии </a:t>
             </a:r>
             <a:r>
-              <a:rPr lang="en-US" sz="2400" dirty="0"/>
+              <a:rPr lang="en-US" sz="2000" dirty="0"/>
               <a:t>3</a:t>
             </a:r>
             <a:r>
-              <a:rPr lang="ru-RU" sz="2400" dirty="0"/>
+              <a:rPr lang="ru-RU" sz="2000" dirty="0"/>
               <a:t>, </a:t>
             </a:r>
             <a:r>
-              <a:rPr lang="en-US" sz="2400" dirty="0"/>
+              <a:rPr lang="en-US" sz="2000" dirty="0"/>
               <a:t>c </a:t>
             </a:r>
             <a:r>
-              <a:rPr lang="ru-RU" sz="2400" dirty="0"/>
+              <a:rPr lang="ru-RU" sz="2000" dirty="0"/>
               <a:t>использованием </a:t>
             </a:r>
             <a:r>
-              <a:rPr lang="en" sz="2400" dirty="0" err="1"/>
+              <a:rPr lang="en" sz="2000" dirty="0" err="1"/>
               <a:t>aiogram</a:t>
             </a:r>
             <a:r>
-              <a:rPr lang="ru-RU" sz="2400" dirty="0"/>
+              <a:rPr lang="ru-RU" sz="2000" dirty="0"/>
               <a:t>, который является достаточно простым асинхронным фреймворком для </a:t>
             </a:r>
             <a:r>
-              <a:rPr lang="en" sz="2400" dirty="0">
+              <a:rPr lang="en" sz="2000" dirty="0">
                 <a:hlinkClick r:id="rId2">
                   <a:extLst>
                     <a:ext uri="{A12FA001-AC4F-418D-AE19-62706E023703}">
@@ -4332,64 +4332,125 @@
               <a:t>Telegram Bot API</a:t>
             </a:r>
             <a:r>
-              <a:rPr lang="en" sz="2400" dirty="0"/>
+              <a:rPr lang="en" sz="2000" dirty="0"/>
               <a:t>. </a:t>
             </a:r>
             <a:r>
-              <a:rPr lang="ru-RU" sz="2400" dirty="0"/>
+              <a:rPr lang="ru-RU" sz="2000" dirty="0"/>
               <a:t>Это помогает сделать ботов быстрыми и достаточно просто.</a:t>
             </a:r>
-            <a:endParaRPr lang="en-US" sz="2400" dirty="0"/>
-          </a:p>
-          <a:p>
-            <a:endParaRPr lang="en-US" sz="2400" dirty="0"/>
-          </a:p>
-          <a:p>
-            <a:r>
-              <a:rPr lang="ru-RU" sz="2400" dirty="0"/>
+            <a:endParaRPr lang="en-US" sz="2000" dirty="0"/>
+          </a:p>
+          <a:p>
+            <a:endParaRPr lang="en-US" sz="2000" dirty="0"/>
+          </a:p>
+          <a:p>
+            <a:r>
+              <a:rPr lang="ru-RU" sz="2000" dirty="0"/>
               <a:t>Диаграмма взаимодействий приложения изображена на схеме. В реализации используются модули </a:t>
             </a:r>
             <a:r>
-              <a:rPr lang="en-US" sz="2400" dirty="0"/>
+              <a:rPr lang="en-US" sz="2000" dirty="0"/>
               <a:t>requests, </a:t>
             </a:r>
             <a:r>
-              <a:rPr lang="en-US" sz="2400" dirty="0" err="1"/>
+              <a:rPr lang="en-US" sz="2000" dirty="0" err="1"/>
               <a:t>json</a:t>
             </a:r>
             <a:r>
-              <a:rPr lang="en-US" sz="2400" dirty="0"/>
+              <a:rPr lang="en-US" sz="2000" dirty="0"/>
               <a:t> </a:t>
             </a:r>
             <a:r>
-              <a:rPr lang="ru-RU" sz="2400" dirty="0"/>
+              <a:rPr lang="ru-RU" sz="2000" dirty="0"/>
               <a:t>для взаимодействия с </a:t>
             </a:r>
             <a:r>
-              <a:rPr lang="en-US" sz="2400" dirty="0"/>
+              <a:rPr lang="en-US" sz="2000" dirty="0"/>
               <a:t>Yandex Weather API, </a:t>
             </a:r>
             <a:r>
-              <a:rPr lang="ru-RU" sz="2400" dirty="0"/>
+              <a:rPr lang="ru-RU" sz="2000" dirty="0"/>
               <a:t>для </a:t>
             </a:r>
             <a:r>
-              <a:rPr lang="ru-RU" sz="2400" dirty="0" err="1"/>
+              <a:rPr lang="ru-RU" sz="2000" dirty="0" err="1"/>
               <a:t>парсинга</a:t>
             </a:r>
             <a:r>
-              <a:rPr lang="ru-RU" sz="2400" dirty="0"/>
+              <a:rPr lang="ru-RU" sz="2000" dirty="0"/>
               <a:t> ответов остальных взаимодействий используется библиотека </a:t>
             </a:r>
             <a:r>
-              <a:rPr lang="en" sz="2400" dirty="0" err="1"/>
+              <a:rPr lang="en" sz="2000" dirty="0" err="1"/>
               <a:t>BeautifulSoup</a:t>
             </a:r>
             <a:r>
-              <a:rPr lang="ru-RU" sz="2400" dirty="0"/>
+              <a:rPr lang="ru-RU" sz="2000" dirty="0"/>
               <a:t>4</a:t>
             </a:r>
-            <a:endParaRPr lang="en-US" sz="2400" dirty="0"/>
+            <a:r>
+              <a:rPr lang="en-US" sz="2000" dirty="0"/>
+              <a:t>.</a:t>
+            </a:r>
+          </a:p>
+          <a:p>
+            <a:endParaRPr lang="en-US" sz="2000" dirty="0"/>
+          </a:p>
+          <a:p>
+            <a:r>
+              <a:rPr lang="ru-RU" sz="2000" dirty="0"/>
+              <a:t>Хостинг бота реализован на созданной виртуальной машине в облаке </a:t>
+            </a:r>
+            <a:r>
+              <a:rPr lang="en-US" sz="2000" dirty="0"/>
+              <a:t>Yandex.</a:t>
+            </a:r>
+            <a:endParaRPr lang="ru-RU" sz="2000" dirty="0"/>
+          </a:p>
+          <a:p>
+            <a:r>
+              <a:rPr lang="ru-RU" sz="2000" dirty="0"/>
+              <a:t>Исходный код и документация проекта доступны по ссылке: </a:t>
+            </a:r>
+            <a:r>
+              <a:rPr lang="en" sz="2000" dirty="0"/>
+              <a:t>https://</a:t>
+            </a:r>
+            <a:r>
+              <a:rPr lang="en" sz="2000" dirty="0" err="1"/>
+              <a:t>github.com</a:t>
+            </a:r>
+            <a:r>
+              <a:rPr lang="en" sz="2000" dirty="0"/>
+              <a:t>/</a:t>
+            </a:r>
+            <a:r>
+              <a:rPr lang="en" sz="2000" dirty="0" err="1"/>
+              <a:t>delyunchik</a:t>
+            </a:r>
+            <a:r>
+              <a:rPr lang="en" sz="2000" dirty="0"/>
+              <a:t>/</a:t>
+            </a:r>
+            <a:r>
+              <a:rPr lang="en" sz="2000" dirty="0" err="1"/>
+              <a:t>myTgBot</a:t>
+            </a:r>
+            <a:r>
+              <a:rPr lang="ru-RU" sz="2000"/>
+              <a:t>/</a:t>
+            </a:r>
+            <a:endParaRPr lang="ru-RU" sz="2000" dirty="0"/>
+          </a:p>
+          <a:p>
+            <a:endParaRPr lang="en-US" sz="2000" dirty="0"/>
+          </a:p>
+          <a:p>
+            <a:endParaRPr lang="en-US" sz="2000" dirty="0"/>
+          </a:p>
+          <a:p>
+            <a:endParaRPr lang="en-US" sz="2000" dirty="0"/>
           </a:p>
         </p:txBody>
       </p:sp>
